--- a/4. UsersAndUsersGroups/04-UsersAndUsersGroups.pptx
+++ b/4. UsersAndUsersGroups/04-UsersAndUsersGroups.pptx
@@ -310,7 +310,7 @@
           <a:p>
             <a:fld id="{3EA744D9-3FBE-48D8-BF2A-85DF203E4D20}" type="datetimeFigureOut">
               <a:rPr lang="bg-BG" smtClean="0"/>
-              <a:t>23.10.2016 г.</a:t>
+              <a:t>6.12.2016 г.</a:t>
             </a:fld>
             <a:endParaRPr lang="bg-BG"/>
           </a:p>
@@ -480,7 +480,7 @@
           <a:p>
             <a:fld id="{3EA744D9-3FBE-48D8-BF2A-85DF203E4D20}" type="datetimeFigureOut">
               <a:rPr lang="bg-BG" smtClean="0"/>
-              <a:t>23.10.2016 г.</a:t>
+              <a:t>6.12.2016 г.</a:t>
             </a:fld>
             <a:endParaRPr lang="bg-BG"/>
           </a:p>
@@ -660,7 +660,7 @@
           <a:p>
             <a:fld id="{3EA744D9-3FBE-48D8-BF2A-85DF203E4D20}" type="datetimeFigureOut">
               <a:rPr lang="bg-BG" smtClean="0"/>
-              <a:t>23.10.2016 г.</a:t>
+              <a:t>6.12.2016 г.</a:t>
             </a:fld>
             <a:endParaRPr lang="bg-BG"/>
           </a:p>
@@ -830,7 +830,7 @@
           <a:p>
             <a:fld id="{3EA744D9-3FBE-48D8-BF2A-85DF203E4D20}" type="datetimeFigureOut">
               <a:rPr lang="bg-BG" smtClean="0"/>
-              <a:t>23.10.2016 г.</a:t>
+              <a:t>6.12.2016 г.</a:t>
             </a:fld>
             <a:endParaRPr lang="bg-BG"/>
           </a:p>
@@ -1076,7 +1076,7 @@
           <a:p>
             <a:fld id="{3EA744D9-3FBE-48D8-BF2A-85DF203E4D20}" type="datetimeFigureOut">
               <a:rPr lang="bg-BG" smtClean="0"/>
-              <a:t>23.10.2016 г.</a:t>
+              <a:t>6.12.2016 г.</a:t>
             </a:fld>
             <a:endParaRPr lang="bg-BG"/>
           </a:p>
@@ -1364,7 +1364,7 @@
           <a:p>
             <a:fld id="{3EA744D9-3FBE-48D8-BF2A-85DF203E4D20}" type="datetimeFigureOut">
               <a:rPr lang="bg-BG" smtClean="0"/>
-              <a:t>23.10.2016 г.</a:t>
+              <a:t>6.12.2016 г.</a:t>
             </a:fld>
             <a:endParaRPr lang="bg-BG"/>
           </a:p>
@@ -1786,7 +1786,7 @@
           <a:p>
             <a:fld id="{3EA744D9-3FBE-48D8-BF2A-85DF203E4D20}" type="datetimeFigureOut">
               <a:rPr lang="bg-BG" smtClean="0"/>
-              <a:t>23.10.2016 г.</a:t>
+              <a:t>6.12.2016 г.</a:t>
             </a:fld>
             <a:endParaRPr lang="bg-BG"/>
           </a:p>
@@ -1904,7 +1904,7 @@
           <a:p>
             <a:fld id="{3EA744D9-3FBE-48D8-BF2A-85DF203E4D20}" type="datetimeFigureOut">
               <a:rPr lang="bg-BG" smtClean="0"/>
-              <a:t>23.10.2016 г.</a:t>
+              <a:t>6.12.2016 г.</a:t>
             </a:fld>
             <a:endParaRPr lang="bg-BG"/>
           </a:p>
@@ -1999,7 +1999,7 @@
           <a:p>
             <a:fld id="{3EA744D9-3FBE-48D8-BF2A-85DF203E4D20}" type="datetimeFigureOut">
               <a:rPr lang="bg-BG" smtClean="0"/>
-              <a:t>23.10.2016 г.</a:t>
+              <a:t>6.12.2016 г.</a:t>
             </a:fld>
             <a:endParaRPr lang="bg-BG"/>
           </a:p>
@@ -2276,7 +2276,7 @@
           <a:p>
             <a:fld id="{3EA744D9-3FBE-48D8-BF2A-85DF203E4D20}" type="datetimeFigureOut">
               <a:rPr lang="bg-BG" smtClean="0"/>
-              <a:t>23.10.2016 г.</a:t>
+              <a:t>6.12.2016 г.</a:t>
             </a:fld>
             <a:endParaRPr lang="bg-BG"/>
           </a:p>
@@ -2529,7 +2529,7 @@
           <a:p>
             <a:fld id="{3EA744D9-3FBE-48D8-BF2A-85DF203E4D20}" type="datetimeFigureOut">
               <a:rPr lang="bg-BG" smtClean="0"/>
-              <a:t>23.10.2016 г.</a:t>
+              <a:t>6.12.2016 г.</a:t>
             </a:fld>
             <a:endParaRPr lang="bg-BG"/>
           </a:p>
@@ -2751,7 +2751,7 @@
           <a:p>
             <a:fld id="{3EA744D9-3FBE-48D8-BF2A-85DF203E4D20}" type="datetimeFigureOut">
               <a:rPr lang="bg-BG" smtClean="0"/>
-              <a:t>23.10.2016 г.</a:t>
+              <a:t>6.12.2016 г.</a:t>
             </a:fld>
             <a:endParaRPr lang="bg-BG"/>
           </a:p>
@@ -3349,7 +3349,7 @@
                   <a:schemeClr val="accent6"/>
                 </a:solidFill>
               </a:rPr>
-              <a:t>In Linux there are privileged users and unprivileged. The default privileged user is “root”. This user has full access to everything on a Linux server and is allowed to work in system space without any restrictions. Be careful if you are logge</a:t>
+              <a:t>In Linux there are privileged users and unprivileged. The default privileged user is “root”. This user has full access to everything on a Linux server and is allowed to work in system space without any restrictions. Be careful if you are logged as </a:t>
             </a:r>
             <a:r>
               <a:rPr lang="en-US" sz="2700" dirty="0" smtClean="0">
@@ -3357,7 +3357,15 @@
                   <a:schemeClr val="accent6"/>
                 </a:solidFill>
               </a:rPr>
-              <a:t>d as , since each command  that you type is with enough privileges.</a:t>
+              <a:t>root , </a:t>
+            </a:r>
+            <a:r>
+              <a:rPr lang="en-US" sz="2700" dirty="0" smtClean="0">
+                <a:solidFill>
+                  <a:schemeClr val="accent6"/>
+                </a:solidFill>
+              </a:rPr>
+              <a:t>since each command  that you type is with enough privileges.</a:t>
             </a:r>
             <a:r>
               <a:rPr lang="en-US" sz="3100" dirty="0" smtClean="0">
@@ -3392,24 +3400,32 @@
             <a:r>
               <a:rPr lang="en-US" sz="2200" dirty="0" smtClean="0">
                 <a:solidFill>
-                  <a:schemeClr val="bg1"/>
+                  <a:srgbClr val="FF0000"/>
                 </a:solidFill>
               </a:rPr>
               <a:t>Exercises: </a:t>
             </a:r>
-            <a:br>
+            <a:r>
               <a:rPr lang="en-US" sz="2200" dirty="0" smtClean="0">
                 <a:solidFill>
                   <a:schemeClr val="bg1"/>
                 </a:solidFill>
               </a:rPr>
-            </a:br>
-            <a:r>
+              <a:t/>
+            </a:r>
+            <a:br>
               <a:rPr lang="en-US" sz="2200" dirty="0" smtClean="0">
                 <a:solidFill>
                   <a:schemeClr val="bg1"/>
                 </a:solidFill>
               </a:rPr>
+            </a:br>
+            <a:r>
+              <a:rPr lang="en-US" sz="2200" dirty="0" smtClean="0">
+                <a:solidFill>
+                  <a:schemeClr val="bg1"/>
+                </a:solidFill>
+              </a:rPr>
               <a:t>1. Find information on the internet about the file /</a:t>
             </a:r>
             <a:r>
@@ -3528,15 +3544,7 @@
                   <a:schemeClr val="bg1"/>
                 </a:solidFill>
               </a:rPr>
-              <a:t>What is the root user id ? </a:t>
-            </a:r>
-            <a:r>
-              <a:rPr lang="en-US" sz="2200" dirty="0">
-                <a:solidFill>
-                  <a:schemeClr val="bg1"/>
-                </a:solidFill>
-              </a:rPr>
-              <a:t>Run ‘id root’</a:t>
+              <a:t>What is the root user id ? Run ‘id root’</a:t>
             </a:r>
             <a:br>
               <a:rPr lang="en-US" sz="2200" dirty="0">
@@ -3972,6 +3980,13 @@
   <p:clrMapOvr>
     <a:masterClrMapping/>
   </p:clrMapOvr>
+  <p:timing>
+    <p:tnLst>
+      <p:par>
+        <p:cTn id="1" dur="indefinite" restart="never" nodeType="tmRoot"/>
+      </p:par>
+    </p:tnLst>
+  </p:timing>
 </p:sld>
 </file>
 
@@ -4705,7 +4720,7 @@
             <a:r>
               <a:rPr lang="en-US" sz="3100" dirty="0" err="1" smtClean="0">
                 <a:solidFill>
-                  <a:schemeClr val="accent6"/>
+                  <a:srgbClr val="FF0000"/>
                 </a:solidFill>
               </a:rPr>
               <a:t>Exersises</a:t>
@@ -4713,7 +4728,7 @@
             <a:r>
               <a:rPr lang="en-US" sz="3100" dirty="0">
                 <a:solidFill>
-                  <a:schemeClr val="accent6"/>
+                  <a:srgbClr val="FF0000"/>
                 </a:solidFill>
               </a:rPr>
               <a:t>:</a:t>
@@ -4866,47 +4881,6 @@
             <a:endParaRPr lang="bg-BG" sz="3100" dirty="0">
               <a:solidFill>
                 <a:schemeClr val="bg1"/>
-              </a:solidFill>
-            </a:endParaRPr>
-          </a:p>
-        </p:txBody>
-      </p:sp>
-      <p:sp>
-        <p:nvSpPr>
-          <p:cNvPr id="3" name="Content Placeholder 2"/>
-          <p:cNvSpPr>
-            <a:spLocks noGrp="1"/>
-          </p:cNvSpPr>
-          <p:nvPr>
-            <p:ph idx="1"/>
-          </p:nvPr>
-        </p:nvSpPr>
-        <p:spPr>
-          <a:xfrm>
-            <a:off x="457200" y="1676400"/>
-            <a:ext cx="8153400" cy="4525963"/>
-          </a:xfrm>
-        </p:spPr>
-        <p:txBody>
-          <a:bodyPr>
-            <a:normAutofit/>
-          </a:bodyPr>
-          <a:lstStyle/>
-          <a:p>
-            <a:pPr marL="0" indent="0">
-              <a:buNone/>
-            </a:pPr>
-            <a:r>
-              <a:rPr lang="en-US" dirty="0" smtClean="0">
-                <a:solidFill>
-                  <a:schemeClr val="accent6"/>
-                </a:solidFill>
-              </a:rPr>
-              <a:t> </a:t>
-            </a:r>
-            <a:endParaRPr lang="en-US" dirty="0">
-              <a:solidFill>
-                <a:schemeClr val="accent6"/>
               </a:solidFill>
             </a:endParaRPr>
           </a:p>
@@ -6402,7 +6376,7 @@
         </p:nvSpPr>
         <p:spPr>
           <a:xfrm>
-            <a:off x="1295400" y="1676400"/>
+            <a:off x="2286000" y="2290465"/>
             <a:ext cx="6781800" cy="369332"/>
           </a:xfrm>
           <a:prstGeom prst="rect">
@@ -6417,6 +6391,364 @@
           <a:lstStyle/>
           <a:p>
             <a:endParaRPr lang="en-US" b="1" dirty="0"/>
+          </a:p>
+        </p:txBody>
+      </p:sp>
+      <p:sp>
+        <p:nvSpPr>
+          <p:cNvPr id="3" name="TextBox 2"/>
+          <p:cNvSpPr txBox="1"/>
+          <p:nvPr/>
+        </p:nvSpPr>
+        <p:spPr>
+          <a:xfrm>
+            <a:off x="495300" y="1043970"/>
+            <a:ext cx="8915400" cy="6740307"/>
+          </a:xfrm>
+          <a:prstGeom prst="rect">
+            <a:avLst/>
+          </a:prstGeom>
+          <a:noFill/>
+        </p:spPr>
+        <p:txBody>
+          <a:bodyPr wrap="square" rtlCol="0">
+            <a:spAutoFit/>
+          </a:bodyPr>
+          <a:lstStyle/>
+          <a:p>
+            <a:r>
+              <a:rPr lang="en-US" dirty="0" smtClean="0">
+                <a:solidFill>
+                  <a:schemeClr val="accent6"/>
+                </a:solidFill>
+              </a:rPr>
+              <a:t>LDAP = Lightweight Directory Access Protocol</a:t>
+            </a:r>
+          </a:p>
+          <a:p>
+            <a:endParaRPr lang="en-US" dirty="0">
+              <a:solidFill>
+                <a:schemeClr val="accent6"/>
+              </a:solidFill>
+            </a:endParaRPr>
+          </a:p>
+          <a:p>
+            <a:r>
+              <a:rPr lang="en-US" dirty="0" smtClean="0">
+                <a:solidFill>
+                  <a:schemeClr val="accent6"/>
+                </a:solidFill>
+              </a:rPr>
+              <a:t>It manages related information from a centralized location through the use of directory hierarchy. LDAP is hierarchical tree based database. Information is stored as key-value pairs.</a:t>
+            </a:r>
+          </a:p>
+          <a:p>
+            <a:endParaRPr lang="en-US" dirty="0">
+              <a:solidFill>
+                <a:schemeClr val="accent6"/>
+              </a:solidFill>
+            </a:endParaRPr>
+          </a:p>
+          <a:p>
+            <a:r>
+              <a:rPr lang="en-US" dirty="0" smtClean="0">
+                <a:solidFill>
+                  <a:schemeClr val="accent6"/>
+                </a:solidFill>
+              </a:rPr>
+              <a:t>Example LDAP tree structure:</a:t>
+            </a:r>
+          </a:p>
+          <a:p>
+            <a:endParaRPr lang="en-US" dirty="0">
+              <a:solidFill>
+                <a:schemeClr val="accent6"/>
+              </a:solidFill>
+            </a:endParaRPr>
+          </a:p>
+          <a:p>
+            <a:r>
+              <a:rPr lang="en-US" dirty="0" smtClean="0">
+                <a:solidFill>
+                  <a:schemeClr val="bg1"/>
+                </a:solidFill>
+              </a:rPr>
+              <a:t>dc=</a:t>
+            </a:r>
+            <a:r>
+              <a:rPr lang="en-US" dirty="0" err="1" smtClean="0">
+                <a:solidFill>
+                  <a:schemeClr val="bg1"/>
+                </a:solidFill>
+              </a:rPr>
+              <a:t>bg</a:t>
+            </a:r>
+            <a:endParaRPr lang="en-US" dirty="0" smtClean="0">
+              <a:solidFill>
+                <a:schemeClr val="bg1"/>
+              </a:solidFill>
+            </a:endParaRPr>
+          </a:p>
+          <a:p>
+            <a:r>
+              <a:rPr lang="en-US" dirty="0">
+                <a:solidFill>
+                  <a:schemeClr val="bg1"/>
+                </a:solidFill>
+              </a:rPr>
+              <a:t> </a:t>
+            </a:r>
+            <a:r>
+              <a:rPr lang="en-US" dirty="0" smtClean="0">
+                <a:solidFill>
+                  <a:schemeClr val="bg1"/>
+                </a:solidFill>
+              </a:rPr>
+              <a:t> dc=</a:t>
+            </a:r>
+            <a:r>
+              <a:rPr lang="en-US" dirty="0" err="1" smtClean="0">
+                <a:solidFill>
+                  <a:schemeClr val="bg1"/>
+                </a:solidFill>
+              </a:rPr>
+              <a:t>softintellect</a:t>
+            </a:r>
+            <a:endParaRPr lang="en-US" dirty="0" smtClean="0">
+              <a:solidFill>
+                <a:schemeClr val="bg1"/>
+              </a:solidFill>
+            </a:endParaRPr>
+          </a:p>
+          <a:p>
+            <a:r>
+              <a:rPr lang="en-US" dirty="0" smtClean="0">
+                <a:solidFill>
+                  <a:schemeClr val="bg1"/>
+                </a:solidFill>
+              </a:rPr>
+              <a:t>    </a:t>
+            </a:r>
+            <a:r>
+              <a:rPr lang="en-US" dirty="0" err="1" smtClean="0">
+                <a:solidFill>
+                  <a:schemeClr val="bg1"/>
+                </a:solidFill>
+              </a:rPr>
+              <a:t>ou</a:t>
+            </a:r>
+            <a:r>
+              <a:rPr lang="en-US" dirty="0" smtClean="0">
+                <a:solidFill>
+                  <a:schemeClr val="bg1"/>
+                </a:solidFill>
+              </a:rPr>
+              <a:t>=students</a:t>
+            </a:r>
+          </a:p>
+          <a:p>
+            <a:r>
+              <a:rPr lang="en-US" dirty="0">
+                <a:solidFill>
+                  <a:schemeClr val="bg1"/>
+                </a:solidFill>
+              </a:rPr>
+              <a:t> </a:t>
+            </a:r>
+            <a:r>
+              <a:rPr lang="en-US" dirty="0" smtClean="0">
+                <a:solidFill>
+                  <a:schemeClr val="bg1"/>
+                </a:solidFill>
+              </a:rPr>
+              <a:t>     </a:t>
+            </a:r>
+            <a:r>
+              <a:rPr lang="en-US" dirty="0" err="1" smtClean="0">
+                <a:solidFill>
+                  <a:schemeClr val="bg1"/>
+                </a:solidFill>
+              </a:rPr>
+              <a:t>uid</a:t>
+            </a:r>
+            <a:r>
+              <a:rPr lang="en-US" dirty="0" smtClean="0">
+                <a:solidFill>
+                  <a:schemeClr val="bg1"/>
+                </a:solidFill>
+              </a:rPr>
+              <a:t>=</a:t>
+            </a:r>
+            <a:r>
+              <a:rPr lang="en-US" dirty="0" err="1" smtClean="0">
+                <a:solidFill>
+                  <a:schemeClr val="bg1"/>
+                </a:solidFill>
+              </a:rPr>
+              <a:t>ibeli</a:t>
+            </a:r>
+            <a:endParaRPr lang="en-US" dirty="0" smtClean="0">
+              <a:solidFill>
+                <a:schemeClr val="bg1"/>
+              </a:solidFill>
+            </a:endParaRPr>
+          </a:p>
+          <a:p>
+            <a:r>
+              <a:rPr lang="en-US" dirty="0">
+                <a:solidFill>
+                  <a:schemeClr val="bg1"/>
+                </a:solidFill>
+              </a:rPr>
+              <a:t> </a:t>
+            </a:r>
+            <a:r>
+              <a:rPr lang="en-US" dirty="0" smtClean="0">
+                <a:solidFill>
+                  <a:schemeClr val="bg1"/>
+                </a:solidFill>
+              </a:rPr>
+              <a:t>       </a:t>
+            </a:r>
+            <a:r>
+              <a:rPr lang="en-US" dirty="0" err="1" smtClean="0">
+                <a:solidFill>
+                  <a:schemeClr val="bg1"/>
+                </a:solidFill>
+              </a:rPr>
+              <a:t>cn</a:t>
+            </a:r>
+            <a:r>
+              <a:rPr lang="en-US" dirty="0" smtClean="0">
+                <a:solidFill>
+                  <a:schemeClr val="bg1"/>
+                </a:solidFill>
+              </a:rPr>
+              <a:t>=Iliya Belichev</a:t>
+            </a:r>
+          </a:p>
+          <a:p>
+            <a:r>
+              <a:rPr lang="en-US" dirty="0">
+                <a:solidFill>
+                  <a:schemeClr val="bg1"/>
+                </a:solidFill>
+              </a:rPr>
+              <a:t> </a:t>
+            </a:r>
+            <a:r>
+              <a:rPr lang="en-US" dirty="0" smtClean="0">
+                <a:solidFill>
+                  <a:schemeClr val="bg1"/>
+                </a:solidFill>
+              </a:rPr>
+              <a:t>       </a:t>
+            </a:r>
+            <a:r>
+              <a:rPr lang="en-US" dirty="0" smtClean="0">
+                <a:solidFill>
+                  <a:schemeClr val="bg1"/>
+                </a:solidFill>
+                <a:hlinkClick r:id="rId2"/>
+              </a:rPr>
+              <a:t>mail=somemail@gmail.com</a:t>
+            </a:r>
+            <a:endParaRPr lang="en-US" dirty="0" smtClean="0">
+              <a:solidFill>
+                <a:schemeClr val="bg1"/>
+              </a:solidFill>
+            </a:endParaRPr>
+          </a:p>
+          <a:p>
+            <a:endParaRPr lang="en-US" dirty="0">
+              <a:solidFill>
+                <a:schemeClr val="bg1"/>
+              </a:solidFill>
+            </a:endParaRPr>
+          </a:p>
+          <a:p>
+            <a:r>
+              <a:rPr lang="en-US" dirty="0" smtClean="0">
+                <a:solidFill>
+                  <a:schemeClr val="bg1"/>
+                </a:solidFill>
+              </a:rPr>
+              <a:t>Homework:</a:t>
+            </a:r>
+          </a:p>
+          <a:p>
+            <a:pPr marL="342900" indent="-342900">
+              <a:buAutoNum type="arabicPeriod"/>
+            </a:pPr>
+            <a:r>
+              <a:rPr lang="en-US" dirty="0" smtClean="0">
+                <a:solidFill>
+                  <a:schemeClr val="bg1"/>
+                </a:solidFill>
+              </a:rPr>
+              <a:t>Review the </a:t>
+            </a:r>
+            <a:r>
+              <a:rPr lang="en-US" dirty="0" err="1" smtClean="0">
+                <a:solidFill>
+                  <a:schemeClr val="bg1"/>
+                </a:solidFill>
+              </a:rPr>
+              <a:t>previos</a:t>
+            </a:r>
+            <a:r>
+              <a:rPr lang="en-US" dirty="0" smtClean="0">
+                <a:solidFill>
+                  <a:schemeClr val="bg1"/>
+                </a:solidFill>
+              </a:rPr>
+              <a:t> three slides + this one and think about what’s most challenging for you? Try to understand something more about it, implemented in the VM, ask me questions.</a:t>
+            </a:r>
+          </a:p>
+          <a:p>
+            <a:pPr marL="342900" indent="-342900">
+              <a:buAutoNum type="arabicPeriod"/>
+            </a:pPr>
+            <a:endParaRPr lang="en-US" dirty="0" smtClean="0">
+              <a:solidFill>
+                <a:schemeClr val="bg1"/>
+              </a:solidFill>
+            </a:endParaRPr>
+          </a:p>
+          <a:p>
+            <a:endParaRPr lang="en-US" dirty="0" smtClean="0">
+              <a:solidFill>
+                <a:schemeClr val="bg1"/>
+              </a:solidFill>
+            </a:endParaRPr>
+          </a:p>
+          <a:p>
+            <a:endParaRPr lang="en-US" dirty="0">
+              <a:solidFill>
+                <a:schemeClr val="bg1"/>
+              </a:solidFill>
+            </a:endParaRPr>
+          </a:p>
+          <a:p>
+            <a:endParaRPr lang="en-US" dirty="0" smtClean="0">
+              <a:solidFill>
+                <a:schemeClr val="accent6"/>
+              </a:solidFill>
+            </a:endParaRPr>
+          </a:p>
+          <a:p>
+            <a:endParaRPr lang="en-US" dirty="0">
+              <a:solidFill>
+                <a:schemeClr val="accent6"/>
+              </a:solidFill>
+            </a:endParaRPr>
+          </a:p>
+          <a:p>
+            <a:endParaRPr lang="en-US" dirty="0">
+              <a:solidFill>
+                <a:schemeClr val="accent6"/>
+              </a:solidFill>
+            </a:endParaRPr>
           </a:p>
         </p:txBody>
       </p:sp>
